--- a/Presentation_Simple Linear Regression.pptx
+++ b/Presentation_Simple Linear Regression.pptx
@@ -22033,7 +22033,7 @@
           <a:p>
             <a:fld id="{6C0362F1-E1D8-4E0C-9407-EE025BA4CB80}" type="datetimeFigureOut">
               <a:rPr lang="en-GB" smtClean="0"/>
-              <a:t>04/12/2017</a:t>
+              <a:t>12/12/2017</a:t>
             </a:fld>
             <a:endParaRPr lang="en-GB"/>
           </a:p>
@@ -22906,7 +22906,7 @@
           <a:p>
             <a:fld id="{6C0362F1-E1D8-4E0C-9407-EE025BA4CB80}" type="datetimeFigureOut">
               <a:rPr lang="en-GB" smtClean="0"/>
-              <a:t>04/12/2017</a:t>
+              <a:t>12/12/2017</a:t>
             </a:fld>
             <a:endParaRPr lang="en-GB"/>
           </a:p>
@@ -23085,7 +23085,7 @@
           <a:p>
             <a:fld id="{6C0362F1-E1D8-4E0C-9407-EE025BA4CB80}" type="datetimeFigureOut">
               <a:rPr lang="en-GB" smtClean="0"/>
-              <a:t>04/12/2017</a:t>
+              <a:t>12/12/2017</a:t>
             </a:fld>
             <a:endParaRPr lang="en-GB"/>
           </a:p>
@@ -23259,7 +23259,7 @@
           <a:p>
             <a:fld id="{6C0362F1-E1D8-4E0C-9407-EE025BA4CB80}" type="datetimeFigureOut">
               <a:rPr lang="en-GB" smtClean="0"/>
-              <a:t>04/12/2017</a:t>
+              <a:t>12/12/2017</a:t>
             </a:fld>
             <a:endParaRPr lang="en-GB"/>
           </a:p>
@@ -23473,7 +23473,7 @@
           <a:p>
             <a:fld id="{6C0362F1-E1D8-4E0C-9407-EE025BA4CB80}" type="datetimeFigureOut">
               <a:rPr lang="en-GB" smtClean="0"/>
-              <a:t>04/12/2017</a:t>
+              <a:t>12/12/2017</a:t>
             </a:fld>
             <a:endParaRPr lang="en-GB"/>
           </a:p>
@@ -24291,7 +24291,7 @@
           <a:p>
             <a:fld id="{6C0362F1-E1D8-4E0C-9407-EE025BA4CB80}" type="datetimeFigureOut">
               <a:rPr lang="en-GB" smtClean="0"/>
-              <a:t>04/12/2017</a:t>
+              <a:t>12/12/2017</a:t>
             </a:fld>
             <a:endParaRPr lang="en-GB"/>
           </a:p>
@@ -24531,7 +24531,7 @@
           <a:p>
             <a:fld id="{6C0362F1-E1D8-4E0C-9407-EE025BA4CB80}" type="datetimeFigureOut">
               <a:rPr lang="en-GB" smtClean="0"/>
-              <a:t>04/12/2017</a:t>
+              <a:t>12/12/2017</a:t>
             </a:fld>
             <a:endParaRPr lang="en-GB"/>
           </a:p>
@@ -24858,7 +24858,7 @@
           <a:p>
             <a:fld id="{6C0362F1-E1D8-4E0C-9407-EE025BA4CB80}" type="datetimeFigureOut">
               <a:rPr lang="en-GB" smtClean="0"/>
-              <a:t>04/12/2017</a:t>
+              <a:t>12/12/2017</a:t>
             </a:fld>
             <a:endParaRPr lang="en-GB"/>
           </a:p>
@@ -24953,7 +24953,7 @@
           <a:p>
             <a:fld id="{6C0362F1-E1D8-4E0C-9407-EE025BA4CB80}" type="datetimeFigureOut">
               <a:rPr lang="en-GB" smtClean="0"/>
-              <a:t>04/12/2017</a:t>
+              <a:t>12/12/2017</a:t>
             </a:fld>
             <a:endParaRPr lang="en-GB"/>
           </a:p>
@@ -25474,7 +25474,7 @@
           <a:p>
             <a:fld id="{6C0362F1-E1D8-4E0C-9407-EE025BA4CB80}" type="datetimeFigureOut">
               <a:rPr lang="en-GB" smtClean="0"/>
-              <a:t>04/12/2017</a:t>
+              <a:t>12/12/2017</a:t>
             </a:fld>
             <a:endParaRPr lang="en-GB"/>
           </a:p>
@@ -25989,7 +25989,7 @@
           <a:p>
             <a:fld id="{6C0362F1-E1D8-4E0C-9407-EE025BA4CB80}" type="datetimeFigureOut">
               <a:rPr lang="en-GB" smtClean="0"/>
-              <a:t>04/12/2017</a:t>
+              <a:t>12/12/2017</a:t>
             </a:fld>
             <a:endParaRPr lang="en-GB"/>
           </a:p>
@@ -26237,7 +26237,7 @@
           <a:p>
             <a:fld id="{6C0362F1-E1D8-4E0C-9407-EE025BA4CB80}" type="datetimeFigureOut">
               <a:rPr lang="en-GB" smtClean="0"/>
-              <a:t>04/12/2017</a:t>
+              <a:t>12/12/2017</a:t>
             </a:fld>
             <a:endParaRPr lang="en-GB"/>
           </a:p>
@@ -26904,6 +26904,41 @@
             <a:r>
               <a:rPr lang="en-GB" dirty="0"/>
               <a:t>Fitting a Simple Linear Regression model in Python</a:t>
+            </a:r>
+          </a:p>
+        </p:txBody>
+      </p:sp>
+      <p:sp>
+        <p:nvSpPr>
+          <p:cNvPr id="4" name="TextBox 3">
+            <a:extLst>
+              <a:ext uri="{FF2B5EF4-FFF2-40B4-BE49-F238E27FC236}">
+                <a16:creationId xmlns:a16="http://schemas.microsoft.com/office/drawing/2014/main" id="{F73A857B-24C9-4C4D-AC5C-A278809CF690}"/>
+              </a:ext>
+            </a:extLst>
+          </p:cNvPr>
+          <p:cNvSpPr txBox="1"/>
+          <p:nvPr/>
+        </p:nvSpPr>
+        <p:spPr>
+          <a:xfrm>
+            <a:off x="9597911" y="6036369"/>
+            <a:ext cx="2356735" cy="338554"/>
+          </a:xfrm>
+          <a:prstGeom prst="rect">
+            <a:avLst/>
+          </a:prstGeom>
+          <a:noFill/>
+        </p:spPr>
+        <p:txBody>
+          <a:bodyPr wrap="none" rtlCol="0">
+            <a:spAutoFit/>
+          </a:bodyPr>
+          <a:lstStyle/>
+          <a:p>
+            <a:r>
+              <a:rPr lang="en-GB" sz="1600" dirty="0"/>
+              <a:t>Siddharth Shrivastava</a:t>
             </a:r>
           </a:p>
         </p:txBody>
@@ -28441,9 +28476,6 @@
                     <p:cTn id="3" fill="hold">
                       <p:stCondLst>
                         <p:cond delay="indefinite"/>
-                        <p:cond evt="onBegin" delay="0">
-                          <p:tn val="2"/>
-                        </p:cond>
                       </p:stCondLst>
                       <p:childTnLst>
                         <p:par>
@@ -28453,7 +28485,7 @@
                             </p:stCondLst>
                             <p:childTnLst>
                               <p:par>
-                                <p:cTn id="5" presetID="1" presetClass="entr" presetSubtype="0" fill="hold" grpId="0" nodeType="withEffect">
+                                <p:cTn id="5" presetID="1" presetClass="entr" presetSubtype="0" fill="hold" nodeType="clickEffect">
                                   <p:stCondLst>
                                     <p:cond delay="0"/>
                                   </p:stCondLst>
@@ -28466,7 +28498,7 @@
                                           </p:stCondLst>
                                         </p:cTn>
                                         <p:tgtEl>
-                                          <p:spTgt spid="16"/>
+                                          <p:spTgt spid="19"/>
                                         </p:tgtEl>
                                         <p:attrNameLst>
                                           <p:attrName>style.visibility</p:attrName>
@@ -28493,6 +28525,78 @@
                                           </p:stCondLst>
                                         </p:cTn>
                                         <p:tgtEl>
+                                          <p:spTgt spid="16"/>
+                                        </p:tgtEl>
+                                        <p:attrNameLst>
+                                          <p:attrName>style.visibility</p:attrName>
+                                        </p:attrNameLst>
+                                      </p:cBhvr>
+                                      <p:to>
+                                        <p:strVal val="visible"/>
+                                      </p:to>
+                                    </p:set>
+                                  </p:childTnLst>
+                                </p:cTn>
+                              </p:par>
+                            </p:childTnLst>
+                          </p:cTn>
+                        </p:par>
+                      </p:childTnLst>
+                    </p:cTn>
+                  </p:par>
+                  <p:par>
+                    <p:cTn id="9" fill="hold">
+                      <p:stCondLst>
+                        <p:cond delay="indefinite"/>
+                      </p:stCondLst>
+                      <p:childTnLst>
+                        <p:par>
+                          <p:cTn id="10" fill="hold">
+                            <p:stCondLst>
+                              <p:cond delay="0"/>
+                            </p:stCondLst>
+                            <p:childTnLst>
+                              <p:par>
+                                <p:cTn id="11" presetID="1" presetClass="entr" presetSubtype="0" fill="hold" nodeType="clickEffect">
+                                  <p:stCondLst>
+                                    <p:cond delay="0"/>
+                                  </p:stCondLst>
+                                  <p:childTnLst>
+                                    <p:set>
+                                      <p:cBhvr>
+                                        <p:cTn id="12" dur="1" fill="hold">
+                                          <p:stCondLst>
+                                            <p:cond delay="0"/>
+                                          </p:stCondLst>
+                                        </p:cTn>
+                                        <p:tgtEl>
+                                          <p:spTgt spid="20"/>
+                                        </p:tgtEl>
+                                        <p:attrNameLst>
+                                          <p:attrName>style.visibility</p:attrName>
+                                        </p:attrNameLst>
+                                      </p:cBhvr>
+                                      <p:to>
+                                        <p:strVal val="visible"/>
+                                      </p:to>
+                                    </p:set>
+                                  </p:childTnLst>
+                                </p:cTn>
+                              </p:par>
+                              <p:par>
+                                <p:cTn id="13" presetID="1" presetClass="entr" presetSubtype="0" fill="hold" grpId="0" nodeType="withEffect">
+                                  <p:stCondLst>
+                                    <p:cond delay="0"/>
+                                  </p:stCondLst>
+                                  <p:childTnLst>
+                                    <p:set>
+                                      <p:cBhvr>
+                                        <p:cTn id="14" dur="1" fill="hold">
+                                          <p:stCondLst>
+                                            <p:cond delay="0"/>
+                                          </p:stCondLst>
+                                        </p:cTn>
+                                        <p:tgtEl>
                                           <p:spTgt spid="17"/>
                                         </p:tgtEl>
                                         <p:attrNameLst>
@@ -28507,20 +28611,74 @@
                                 </p:cTn>
                               </p:par>
                               <p:par>
-                                <p:cTn id="9" presetID="1" presetClass="entr" presetSubtype="0" fill="hold" grpId="0" nodeType="withEffect">
+                                <p:cTn id="15" presetID="1" presetClass="entr" presetSubtype="0" fill="hold" grpId="0" nodeType="withEffect">
                                   <p:stCondLst>
                                     <p:cond delay="0"/>
                                   </p:stCondLst>
                                   <p:childTnLst>
                                     <p:set>
                                       <p:cBhvr>
-                                        <p:cTn id="10" dur="1" fill="hold">
+                                        <p:cTn id="16" dur="1" fill="hold">
                                           <p:stCondLst>
                                             <p:cond delay="0"/>
                                           </p:stCondLst>
                                         </p:cTn>
                                         <p:tgtEl>
                                           <p:spTgt spid="18"/>
+                                        </p:tgtEl>
+                                        <p:attrNameLst>
+                                          <p:attrName>style.visibility</p:attrName>
+                                        </p:attrNameLst>
+                                      </p:cBhvr>
+                                      <p:to>
+                                        <p:strVal val="visible"/>
+                                      </p:to>
+                                    </p:set>
+                                  </p:childTnLst>
+                                </p:cTn>
+                              </p:par>
+                              <p:par>
+                                <p:cTn id="17" presetID="1" presetClass="entr" presetSubtype="0" fill="hold" grpId="0" nodeType="withEffect">
+                                  <p:stCondLst>
+                                    <p:cond delay="0"/>
+                                  </p:stCondLst>
+                                  <p:childTnLst>
+                                    <p:set>
+                                      <p:cBhvr>
+                                        <p:cTn id="18" dur="1" fill="hold">
+                                          <p:stCondLst>
+                                            <p:cond delay="0"/>
+                                          </p:stCondLst>
+                                        </p:cTn>
+                                        <p:tgtEl>
+                                          <p:spTgt spid="14"/>
+                                        </p:tgtEl>
+                                        <p:attrNameLst>
+                                          <p:attrName>style.visibility</p:attrName>
+                                        </p:attrNameLst>
+                                      </p:cBhvr>
+                                      <p:to>
+                                        <p:strVal val="visible"/>
+                                      </p:to>
+                                    </p:set>
+                                  </p:childTnLst>
+                                </p:cTn>
+                              </p:par>
+                              <p:par>
+                                <p:cTn id="19" presetID="1" presetClass="entr" presetSubtype="0" fill="hold" grpId="0" nodeType="withEffect">
+                                  <p:stCondLst>
+                                    <p:cond delay="0"/>
+                                  </p:stCondLst>
+                                  <p:childTnLst>
+                                    <p:set>
+                                      <p:cBhvr>
+                                        <p:cTn id="20" dur="1" fill="hold">
+                                          <p:stCondLst>
+                                            <p:cond delay="0"/>
+                                          </p:stCondLst>
+                                        </p:cTn>
+                                        <p:tgtEl>
+                                          <p:spTgt spid="21"/>
                                         </p:tgtEl>
                                         <p:attrNameLst>
                                           <p:attrName>style.visibility</p:attrName>
@@ -28564,6 +28722,8 @@
       <p:bldP spid="16" grpId="0"/>
       <p:bldP spid="17" grpId="0"/>
       <p:bldP spid="18" grpId="0" animBg="1"/>
+      <p:bldP spid="14" grpId="0" animBg="1"/>
+      <p:bldP spid="21" grpId="0" animBg="1"/>
     </p:bldLst>
   </p:timing>
 </p:sld>
